--- a/rust/fhe-vm/doc/Decompose.pptx
+++ b/rust/fhe-vm/doc/Decompose.pptx
@@ -104,6 +104,11 @@
       </a:defRPr>
     </a:lvl9pPr>
   </p:defaultTextStyle>
+  <p:extLst>
+    <p:ext uri="{EFAFB233-063F-42B5-8137-9DF3F51BA10A}">
+      <p15:sldGuideLst xmlns:p15="http://schemas.microsoft.com/office/powerpoint/2012/main"/>
+    </p:ext>
+  </p:extLst>
 </p:presentation>
 </file>
 
@@ -238,7 +243,7 @@
           <a:p>
             <a:fld id="{3BFECD8A-A16F-46CC-BAA0-CF972EB564C2}" type="datetimeFigureOut">
               <a:rPr lang="en-US" smtClean="0"/>
-              <a:t>1/23/2025</a:t>
+              <a:t>1/24/2025</a:t>
             </a:fld>
             <a:endParaRPr lang="en-US"/>
           </a:p>
@@ -408,7 +413,7 @@
           <a:p>
             <a:fld id="{3BFECD8A-A16F-46CC-BAA0-CF972EB564C2}" type="datetimeFigureOut">
               <a:rPr lang="en-US" smtClean="0"/>
-              <a:t>1/23/2025</a:t>
+              <a:t>1/24/2025</a:t>
             </a:fld>
             <a:endParaRPr lang="en-US"/>
           </a:p>
@@ -588,7 +593,7 @@
           <a:p>
             <a:fld id="{3BFECD8A-A16F-46CC-BAA0-CF972EB564C2}" type="datetimeFigureOut">
               <a:rPr lang="en-US" smtClean="0"/>
-              <a:t>1/23/2025</a:t>
+              <a:t>1/24/2025</a:t>
             </a:fld>
             <a:endParaRPr lang="en-US"/>
           </a:p>
@@ -758,7 +763,7 @@
           <a:p>
             <a:fld id="{3BFECD8A-A16F-46CC-BAA0-CF972EB564C2}" type="datetimeFigureOut">
               <a:rPr lang="en-US" smtClean="0"/>
-              <a:t>1/23/2025</a:t>
+              <a:t>1/24/2025</a:t>
             </a:fld>
             <a:endParaRPr lang="en-US"/>
           </a:p>
@@ -1004,7 +1009,7 @@
           <a:p>
             <a:fld id="{3BFECD8A-A16F-46CC-BAA0-CF972EB564C2}" type="datetimeFigureOut">
               <a:rPr lang="en-US" smtClean="0"/>
-              <a:t>1/23/2025</a:t>
+              <a:t>1/24/2025</a:t>
             </a:fld>
             <a:endParaRPr lang="en-US"/>
           </a:p>
@@ -1236,7 +1241,7 @@
           <a:p>
             <a:fld id="{3BFECD8A-A16F-46CC-BAA0-CF972EB564C2}" type="datetimeFigureOut">
               <a:rPr lang="en-US" smtClean="0"/>
-              <a:t>1/23/2025</a:t>
+              <a:t>1/24/2025</a:t>
             </a:fld>
             <a:endParaRPr lang="en-US"/>
           </a:p>
@@ -1603,7 +1608,7 @@
           <a:p>
             <a:fld id="{3BFECD8A-A16F-46CC-BAA0-CF972EB564C2}" type="datetimeFigureOut">
               <a:rPr lang="en-US" smtClean="0"/>
-              <a:t>1/23/2025</a:t>
+              <a:t>1/24/2025</a:t>
             </a:fld>
             <a:endParaRPr lang="en-US"/>
           </a:p>
@@ -1721,7 +1726,7 @@
           <a:p>
             <a:fld id="{3BFECD8A-A16F-46CC-BAA0-CF972EB564C2}" type="datetimeFigureOut">
               <a:rPr lang="en-US" smtClean="0"/>
-              <a:t>1/23/2025</a:t>
+              <a:t>1/24/2025</a:t>
             </a:fld>
             <a:endParaRPr lang="en-US"/>
           </a:p>
@@ -1816,7 +1821,7 @@
           <a:p>
             <a:fld id="{3BFECD8A-A16F-46CC-BAA0-CF972EB564C2}" type="datetimeFigureOut">
               <a:rPr lang="en-US" smtClean="0"/>
-              <a:t>1/23/2025</a:t>
+              <a:t>1/24/2025</a:t>
             </a:fld>
             <a:endParaRPr lang="en-US"/>
           </a:p>
@@ -2093,7 +2098,7 @@
           <a:p>
             <a:fld id="{3BFECD8A-A16F-46CC-BAA0-CF972EB564C2}" type="datetimeFigureOut">
               <a:rPr lang="en-US" smtClean="0"/>
-              <a:t>1/23/2025</a:t>
+              <a:t>1/24/2025</a:t>
             </a:fld>
             <a:endParaRPr lang="en-US"/>
           </a:p>
@@ -2350,7 +2355,7 @@
           <a:p>
             <a:fld id="{3BFECD8A-A16F-46CC-BAA0-CF972EB564C2}" type="datetimeFigureOut">
               <a:rPr lang="en-US" smtClean="0"/>
-              <a:t>1/23/2025</a:t>
+              <a:t>1/24/2025</a:t>
             </a:fld>
             <a:endParaRPr lang="en-US"/>
           </a:p>
@@ -2563,7 +2568,7 @@
           <a:p>
             <a:fld id="{3BFECD8A-A16F-46CC-BAA0-CF972EB564C2}" type="datetimeFigureOut">
               <a:rPr lang="en-US" smtClean="0"/>
-              <a:t>1/23/2025</a:t>
+              <a:t>1/24/2025</a:t>
             </a:fld>
             <a:endParaRPr lang="en-US"/>
           </a:p>
@@ -8612,7 +8617,7 @@
         <p:spPr>
           <a:xfrm>
             <a:off x="2452385" y="2835625"/>
-            <a:ext cx="957313" cy="369332"/>
+            <a:ext cx="3330976" cy="369332"/>
           </a:xfrm>
           <a:prstGeom prst="rect">
             <a:avLst/>
@@ -8626,8 +8631,20 @@
           <a:lstStyle/>
           <a:p>
             <a:r>
+              <a:rPr lang="fr-CH" dirty="0" err="1"/>
+              <a:t>Scale</a:t>
+            </a:r>
+            <a:r>
               <a:rPr lang="fr-CH" dirty="0"/>
-              <a:t>Mod 2N</a:t>
+              <a:t> by 2N/Q and </a:t>
+            </a:r>
+            <a:r>
+              <a:rPr lang="fr-CH" dirty="0" err="1"/>
+              <a:t>take</a:t>
+            </a:r>
+            <a:r>
+              <a:rPr lang="fr-CH" dirty="0"/>
+              <a:t> mod 2N</a:t>
             </a:r>
             <a:endParaRPr lang="en-US" dirty="0"/>
           </a:p>
